--- a/Presenations/2024 Presentations/AccessibilityTesting101 - London NDC.pptx
+++ b/Presenations/2024 Presentations/AccessibilityTesting101 - London NDC.pptx
@@ -6027,7 +6027,7 @@
           <a:p>
             <a:fld id="{BEFAACEF-CC9A-483E-9B56-DECAFB57975A}" type="datetimeFigureOut">
               <a:rPr lang="en-US" smtClean="0"/>
-              <a:t>10/3/2023</a:t>
+              <a:t>10/14/2023</a:t>
             </a:fld>
             <a:endParaRPr lang="en-US"/>
           </a:p>
@@ -8088,7 +8088,7 @@
           <a:p>
             <a:fld id="{BA049CC4-5A97-47DC-86B9-9927E3A2D5F5}" type="datetime1">
               <a:rPr lang="en-US" smtClean="0"/>
-              <a:t>10/3/2023</a:t>
+              <a:t>10/14/2023</a:t>
             </a:fld>
             <a:endParaRPr lang="en-US"/>
           </a:p>
@@ -8360,7 +8360,7 @@
           <a:p>
             <a:fld id="{08A11C66-9C87-4BA8-9534-5EF145E66FE7}" type="datetime1">
               <a:rPr lang="en-US" smtClean="0"/>
-              <a:t>10/3/2023</a:t>
+              <a:t>10/14/2023</a:t>
             </a:fld>
             <a:endParaRPr lang="en-US"/>
           </a:p>
@@ -8591,7 +8591,7 @@
           <a:p>
             <a:fld id="{5AE480A1-3E8F-4FEB-9473-F28D5BA2CE2F}" type="datetime1">
               <a:rPr lang="en-US" smtClean="0"/>
-              <a:t>10/3/2023</a:t>
+              <a:t>10/14/2023</a:t>
             </a:fld>
             <a:endParaRPr lang="en-US"/>
           </a:p>
@@ -8901,7 +8901,7 @@
           <a:p>
             <a:fld id="{51941244-449B-4313-BB5D-CEC8D390AC83}" type="datetime1">
               <a:rPr lang="en-US" smtClean="0"/>
-              <a:t>10/3/2023</a:t>
+              <a:t>10/14/2023</a:t>
             </a:fld>
             <a:endParaRPr lang="en-US"/>
           </a:p>
@@ -9374,7 +9374,7 @@
           <a:p>
             <a:fld id="{D3AAB994-AF9D-407F-AC45-491F65672FB8}" type="datetime1">
               <a:rPr lang="en-US" smtClean="0"/>
-              <a:t>10/3/2023</a:t>
+              <a:t>10/14/2023</a:t>
             </a:fld>
             <a:endParaRPr lang="en-US"/>
           </a:p>
@@ -9921,7 +9921,7 @@
           <a:p>
             <a:fld id="{95B69CAA-71E9-4E32-8F4F-8B1877E6E416}" type="datetime1">
               <a:rPr lang="en-US" smtClean="0"/>
-              <a:t>10/3/2023</a:t>
+              <a:t>10/14/2023</a:t>
             </a:fld>
             <a:endParaRPr lang="en-US"/>
           </a:p>
@@ -10695,7 +10695,7 @@
           <a:p>
             <a:fld id="{4F1F7796-6626-4944-B793-E85205E429DA}" type="datetime1">
               <a:rPr lang="en-US" smtClean="0"/>
-              <a:t>10/3/2023</a:t>
+              <a:t>10/14/2023</a:t>
             </a:fld>
             <a:endParaRPr lang="en-US"/>
           </a:p>
@@ -10870,7 +10870,7 @@
           <a:p>
             <a:fld id="{275BEE86-0E69-41D4-B130-484F9582CF68}" type="datetime1">
               <a:rPr lang="en-US" smtClean="0"/>
-              <a:t>10/3/2023</a:t>
+              <a:t>10/14/2023</a:t>
             </a:fld>
             <a:endParaRPr lang="en-US"/>
           </a:p>
@@ -11093,7 +11093,7 @@
           <a:p>
             <a:fld id="{E8E2E543-8735-43A9-800E-D52D2E6A7570}" type="datetime1">
               <a:rPr lang="en-US" smtClean="0"/>
-              <a:t>10/3/2023</a:t>
+              <a:t>10/14/2023</a:t>
             </a:fld>
             <a:endParaRPr lang="en-US"/>
           </a:p>
@@ -11278,7 +11278,7 @@
           <a:p>
             <a:fld id="{4F562C0E-85F8-4032-A4AC-EAAA621EB697}" type="datetime1">
               <a:rPr lang="en-US" smtClean="0"/>
-              <a:t>10/3/2023</a:t>
+              <a:t>10/14/2023</a:t>
             </a:fld>
             <a:endParaRPr lang="en-US"/>
           </a:p>
@@ -11567,7 +11567,7 @@
           <a:p>
             <a:fld id="{4D4D2949-E030-4779-99B3-FAC018E20B72}" type="datetime1">
               <a:rPr lang="en-US" smtClean="0"/>
-              <a:t>10/3/2023</a:t>
+              <a:t>10/14/2023</a:t>
             </a:fld>
             <a:endParaRPr lang="en-US"/>
           </a:p>
@@ -11814,7 +11814,7 @@
           <a:p>
             <a:fld id="{0F3F8BCC-FB76-4EC4-8AAF-4B5BA4B75FEF}" type="datetime1">
               <a:rPr lang="en-US" smtClean="0"/>
-              <a:t>10/3/2023</a:t>
+              <a:t>10/14/2023</a:t>
             </a:fld>
             <a:endParaRPr lang="en-US"/>
           </a:p>
@@ -12193,7 +12193,7 @@
           <a:p>
             <a:fld id="{7AB60B1E-0147-4747-AD07-17141088A4C3}" type="datetime1">
               <a:rPr lang="en-US" smtClean="0"/>
-              <a:t>10/3/2023</a:t>
+              <a:t>10/14/2023</a:t>
             </a:fld>
             <a:endParaRPr lang="en-US"/>
           </a:p>
@@ -12311,7 +12311,7 @@
           <a:p>
             <a:fld id="{122DC7E5-9295-4EB3-8473-59EEBBFB2383}" type="datetime1">
               <a:rPr lang="en-US" smtClean="0"/>
-              <a:t>10/3/2023</a:t>
+              <a:t>10/14/2023</a:t>
             </a:fld>
             <a:endParaRPr lang="en-US"/>
           </a:p>
@@ -12406,7 +12406,7 @@
           <a:p>
             <a:fld id="{915BDD53-BBE8-4710-8261-574287A899BD}" type="datetime1">
               <a:rPr lang="en-US" smtClean="0"/>
-              <a:t>10/3/2023</a:t>
+              <a:t>10/14/2023</a:t>
             </a:fld>
             <a:endParaRPr lang="en-US"/>
           </a:p>
@@ -12655,7 +12655,7 @@
           <a:p>
             <a:fld id="{68C84FA3-F6D9-4634-9C02-2941F1994736}" type="datetime1">
               <a:rPr lang="en-US" smtClean="0"/>
-              <a:t>10/3/2023</a:t>
+              <a:t>10/14/2023</a:t>
             </a:fld>
             <a:endParaRPr lang="en-US"/>
           </a:p>
@@ -12912,7 +12912,7 @@
           <a:p>
             <a:fld id="{DAC35DB0-0D5A-4AF5-B91D-F5AC233569C2}" type="datetime1">
               <a:rPr lang="en-US" smtClean="0"/>
-              <a:t>10/3/2023</a:t>
+              <a:t>10/14/2023</a:t>
             </a:fld>
             <a:endParaRPr lang="en-US"/>
           </a:p>
@@ -13155,7 +13155,7 @@
           <a:p>
             <a:fld id="{22AFDDC1-071C-48BE-AEB0-C522838D21A3}" type="datetime1">
               <a:rPr lang="en-US" smtClean="0"/>
-              <a:t>10/3/2023</a:t>
+              <a:t>10/14/2023</a:t>
             </a:fld>
             <a:endParaRPr lang="en-US"/>
           </a:p>
@@ -14742,47 +14742,23 @@
           <a:p>
             <a:r>
               <a:rPr lang="en-US" sz="1600" b="1" dirty="0">
-                <a:solidFill>
-                  <a:schemeClr val="accent6">
-                    <a:lumMod val="60000"/>
-                    <a:lumOff val="40000"/>
-                  </a:schemeClr>
-                </a:solidFill>
-                <a:hlinkClick r:id="rId3">
-                  <a:extLst>
-                    <a:ext uri="{A12FA001-AC4F-418D-AE19-62706E023703}">
-                      <ahyp:hlinkClr xmlns:ahyp="http://schemas.microsoft.com/office/drawing/2018/hyperlinkcolor" val="tx"/>
-                    </a:ext>
-                  </a:extLst>
-                </a:hlinkClick>
+                <a:hlinkClick r:id="rId3"/>
               </a:rPr>
-              <a:t>Accessibility Insights</a:t>
+              <a:t>BBC Accessibility Help </a:t>
             </a:r>
             <a:r>
               <a:rPr lang="en-US" sz="1600" dirty="0"/>
-              <a:t> – Accessibility testing tool made by Microsoft</a:t>
-            </a:r>
-          </a:p>
-          <a:p>
-            <a:pPr lvl="1"/>
-            <a:r>
-              <a:rPr lang="en-US" sz="1600" dirty="0"/>
-              <a:t>Has browser extension and desktop application versions</a:t>
-            </a:r>
-          </a:p>
-          <a:p>
-            <a:pPr lvl="1"/>
-            <a:r>
-              <a:rPr lang="en-US" sz="1600" dirty="0"/>
-              <a:t>Also have the option to include the automated tests in CI/CD</a:t>
-            </a:r>
-          </a:p>
-          <a:p>
-            <a:pPr lvl="1"/>
-            <a:r>
-              <a:rPr lang="en-US" sz="1600" dirty="0"/>
-              <a:t>DON’T depend on automated tests</a:t>
-            </a:r>
+              <a:t>- d</a:t>
+            </a:r>
+            <a:endParaRPr lang="en-US" sz="1600" dirty="0">
+              <a:hlinkClick r:id="rId4">
+                <a:extLst>
+                  <a:ext uri="{A12FA001-AC4F-418D-AE19-62706E023703}">
+                    <ahyp:hlinkClr xmlns:ahyp="http://schemas.microsoft.com/office/drawing/2018/hyperlinkcolor" val="tx"/>
+                  </a:ext>
+                </a:extLst>
+              </a:hlinkClick>
+            </a:endParaRPr>
           </a:p>
           <a:p>
             <a:r>
@@ -14801,19 +14777,35 @@
                   </a:extLst>
                 </a:hlinkClick>
               </a:rPr>
-              <a:t>NVDA</a:t>
+              <a:t>Accessibility Insights</a:t>
             </a:r>
             <a:r>
               <a:rPr lang="en-US" sz="1600" dirty="0"/>
-              <a:t> – free, open-sourced screen reader</a:t>
+              <a:t> – Accessibility testing tool made by Microsoft</a:t>
             </a:r>
           </a:p>
           <a:p>
             <a:pPr lvl="1"/>
             <a:r>
               <a:rPr lang="en-US" sz="1600" dirty="0"/>
-              <a:t>View keyboard shortcuts on at the Deque article entitled: </a:t>
-            </a:r>
+              <a:t>Has browser extension and desktop application versions</a:t>
+            </a:r>
+          </a:p>
+          <a:p>
+            <a:pPr lvl="1"/>
+            <a:r>
+              <a:rPr lang="en-US" sz="1600" dirty="0"/>
+              <a:t>Also have the option to include the automated tests in CI/CD</a:t>
+            </a:r>
+          </a:p>
+          <a:p>
+            <a:pPr lvl="1"/>
+            <a:r>
+              <a:rPr lang="en-US" sz="1600" dirty="0"/>
+              <a:t>DON’T depend on automated tests</a:t>
+            </a:r>
+          </a:p>
+          <a:p>
             <a:r>
               <a:rPr lang="en-US" sz="1600" b="1" dirty="0">
                 <a:solidFill>
@@ -14830,35 +14822,18 @@
                   </a:extLst>
                 </a:hlinkClick>
               </a:rPr>
-              <a:t>NVDA Keyboard Shortcuts</a:t>
-            </a:r>
-            <a:r>
-              <a:rPr lang="en-US" sz="1600" dirty="0">
-                <a:solidFill>
-                  <a:schemeClr val="accent6">
-                    <a:lumMod val="60000"/>
-                    <a:lumOff val="40000"/>
-                  </a:schemeClr>
-                </a:solidFill>
-              </a:rPr>
-              <a:t>.</a:t>
-            </a:r>
-          </a:p>
-          <a:p>
-            <a:r>
-              <a:rPr lang="en-US" sz="1600" b="1" dirty="0"/>
-              <a:t>Narrator</a:t>
+              <a:t>NVDA</a:t>
             </a:r>
             <a:r>
               <a:rPr lang="en-US" sz="1600" dirty="0"/>
-              <a:t> – screen reader built-in to Windows.</a:t>
+              <a:t> – free, open-sourced screen reader</a:t>
             </a:r>
           </a:p>
           <a:p>
             <a:pPr lvl="1"/>
             <a:r>
               <a:rPr lang="en-US" sz="1600" dirty="0"/>
-              <a:t>View keyboard shortcuts for Narrator in the Deque article entitled </a:t>
+              <a:t>View keyboard shortcuts on at the Deque article entitled: </a:t>
             </a:r>
             <a:r>
               <a:rPr lang="en-US" sz="1600" b="1" dirty="0">
@@ -14876,7 +14851,7 @@
                   </a:extLst>
                 </a:hlinkClick>
               </a:rPr>
-              <a:t>Narrator Keyboard Shortcuts</a:t>
+              <a:t>NVDA Keyboard Shortcuts</a:t>
             </a:r>
             <a:r>
               <a:rPr lang="en-US" sz="1600" dirty="0">
@@ -14892,33 +14867,20 @@
           </a:p>
           <a:p>
             <a:r>
-              <a:rPr lang="en-US" sz="1600" b="1" dirty="0" err="1"/>
-              <a:t>VoiceOver</a:t>
-            </a:r>
-            <a:r>
               <a:rPr lang="en-US" sz="1600" b="1" dirty="0"/>
-              <a:t> </a:t>
+              <a:t>Narrator</a:t>
             </a:r>
             <a:r>
               <a:rPr lang="en-US" sz="1600" dirty="0"/>
-              <a:t>– is a built screen reader found on iOS and MacOS devices.</a:t>
-            </a:r>
-          </a:p>
-          <a:p>
-            <a:r>
-              <a:rPr lang="en-US" sz="1600" b="1" dirty="0" err="1"/>
-              <a:t>TalkBack</a:t>
-            </a:r>
-            <a:r>
-              <a:rPr lang="en-US" sz="1600" b="1" dirty="0"/>
-              <a:t> </a:t>
-            </a:r>
+              <a:t> – screen reader built-in to Windows.</a:t>
+            </a:r>
+          </a:p>
+          <a:p>
+            <a:pPr lvl="1"/>
             <a:r>
               <a:rPr lang="en-US" sz="1600" dirty="0"/>
-              <a:t>– is a built screen reader found on iOS and MacOS devices.</a:t>
-            </a:r>
-          </a:p>
-          <a:p>
+              <a:t>View keyboard shortcuts for Narrator in the Deque article entitled </a:t>
+            </a:r>
             <a:r>
               <a:rPr lang="en-US" sz="1600" b="1" dirty="0">
                 <a:solidFill>
@@ -14935,7 +14897,7 @@
                   </a:extLst>
                 </a:hlinkClick>
               </a:rPr>
-              <a:t>Microsoft Accessibility</a:t>
+              <a:t>Narrator Keyboard Shortcuts</a:t>
             </a:r>
             <a:r>
               <a:rPr lang="en-US" sz="1600" dirty="0">
@@ -14945,20 +14907,39 @@
                     <a:lumOff val="40000"/>
                   </a:schemeClr>
                 </a:solidFill>
-                <a:hlinkClick r:id="rId7">
-                  <a:extLst>
-                    <a:ext uri="{A12FA001-AC4F-418D-AE19-62706E023703}">
-                      <ahyp:hlinkClr xmlns:ahyp="http://schemas.microsoft.com/office/drawing/2018/hyperlinkcolor" val="tx"/>
-                    </a:ext>
-                  </a:extLst>
-                </a:hlinkClick>
               </a:rPr>
+              <a:t>.</a:t>
+            </a:r>
+          </a:p>
+          <a:p>
+            <a:r>
+              <a:rPr lang="en-US" sz="1600" b="1" dirty="0" err="1"/>
+              <a:t>VoiceOver</a:t>
+            </a:r>
+            <a:r>
+              <a:rPr lang="en-US" sz="1600" b="1" dirty="0"/>
               <a:t> </a:t>
             </a:r>
             <a:r>
               <a:rPr lang="en-US" sz="1600" dirty="0"/>
-              <a:t>on Twitter at </a:t>
-            </a:r>
+              <a:t>– is a built screen reader found on iOS and MacOS devices.</a:t>
+            </a:r>
+          </a:p>
+          <a:p>
+            <a:r>
+              <a:rPr lang="en-US" sz="1600" b="1" dirty="0" err="1"/>
+              <a:t>TalkBack</a:t>
+            </a:r>
+            <a:r>
+              <a:rPr lang="en-US" sz="1600" b="1" dirty="0"/>
+              <a:t> </a:t>
+            </a:r>
+            <a:r>
+              <a:rPr lang="en-US" sz="1600" dirty="0"/>
+              <a:t>– is a built screen reader found on iOS and MacOS devices.</a:t>
+            </a:r>
+          </a:p>
+          <a:p>
             <a:r>
               <a:rPr lang="en-US" sz="1600" b="1" dirty="0">
                 <a:solidFill>
@@ -14975,25 +14956,17 @@
                   </a:extLst>
                 </a:hlinkClick>
               </a:rPr>
-              <a:t>@MSFTEnable</a:t>
-            </a:r>
-            <a:r>
-              <a:rPr lang="en-US" sz="1600" b="1" dirty="0"/>
-              <a:t> </a:t>
-            </a:r>
-            <a:r>
-              <a:rPr lang="en-US" sz="1600" dirty="0"/>
-              <a:t>and at on the </a:t>
-            </a:r>
-            <a:r>
-              <a:rPr lang="en-US" sz="1600" b="1" dirty="0">
+              <a:t>Microsoft Accessibility</a:t>
+            </a:r>
+            <a:r>
+              <a:rPr lang="en-US" sz="1600" dirty="0">
                 <a:solidFill>
                   <a:schemeClr val="accent6">
                     <a:lumMod val="60000"/>
                     <a:lumOff val="40000"/>
                   </a:schemeClr>
                 </a:solidFill>
-                <a:hlinkClick r:id="rId7">
+                <a:hlinkClick r:id="rId8">
                   <a:extLst>
                     <a:ext uri="{A12FA001-AC4F-418D-AE19-62706E023703}">
                       <ahyp:hlinkClr xmlns:ahyp="http://schemas.microsoft.com/office/drawing/2018/hyperlinkcolor" val="tx"/>
@@ -15001,21 +14974,12 @@
                   </a:extLst>
                 </a:hlinkClick>
               </a:rPr>
-              <a:t>Microsoft Accessibility page</a:t>
-            </a:r>
-            <a:r>
-              <a:rPr lang="en-US" sz="1600" b="1" dirty="0">
-                <a:solidFill>
-                  <a:schemeClr val="accent6">
-                    <a:lumMod val="60000"/>
-                    <a:lumOff val="40000"/>
-                  </a:schemeClr>
-                </a:solidFill>
-              </a:rPr>
-              <a:t>.</a:t>
-            </a:r>
-          </a:p>
-          <a:p>
+              <a:t> </a:t>
+            </a:r>
+            <a:r>
+              <a:rPr lang="en-US" sz="1600" dirty="0"/>
+              <a:t>on Twitter at </a:t>
+            </a:r>
             <a:r>
               <a:rPr lang="en-US" sz="1600" b="1" dirty="0">
                 <a:solidFill>
@@ -15032,16 +14996,45 @@
                   </a:extLst>
                 </a:hlinkClick>
               </a:rPr>
-              <a:t>Microsoft Accessibility Fundamentals course</a:t>
-            </a:r>
-            <a:endParaRPr lang="en-US" sz="1600" b="1" dirty="0">
-              <a:solidFill>
-                <a:schemeClr val="accent6">
-                  <a:lumMod val="60000"/>
-                  <a:lumOff val="40000"/>
-                </a:schemeClr>
-              </a:solidFill>
-            </a:endParaRPr>
+              <a:t>@MSFTEnable</a:t>
+            </a:r>
+            <a:r>
+              <a:rPr lang="en-US" sz="1600" b="1" dirty="0"/>
+              <a:t> </a:t>
+            </a:r>
+            <a:r>
+              <a:rPr lang="en-US" sz="1600" dirty="0"/>
+              <a:t>and at on the </a:t>
+            </a:r>
+            <a:r>
+              <a:rPr lang="en-US" sz="1600" b="1" dirty="0">
+                <a:solidFill>
+                  <a:schemeClr val="accent6">
+                    <a:lumMod val="60000"/>
+                    <a:lumOff val="40000"/>
+                  </a:schemeClr>
+                </a:solidFill>
+                <a:hlinkClick r:id="rId8">
+                  <a:extLst>
+                    <a:ext uri="{A12FA001-AC4F-418D-AE19-62706E023703}">
+                      <ahyp:hlinkClr xmlns:ahyp="http://schemas.microsoft.com/office/drawing/2018/hyperlinkcolor" val="tx"/>
+                    </a:ext>
+                  </a:extLst>
+                </a:hlinkClick>
+              </a:rPr>
+              <a:t>Microsoft Accessibility page</a:t>
+            </a:r>
+            <a:r>
+              <a:rPr lang="en-US" sz="1600" b="1" dirty="0">
+                <a:solidFill>
+                  <a:schemeClr val="accent6">
+                    <a:lumMod val="60000"/>
+                    <a:lumOff val="40000"/>
+                  </a:schemeClr>
+                </a:solidFill>
+              </a:rPr>
+              <a:t>.</a:t>
+            </a:r>
           </a:p>
           <a:p>
             <a:r>
@@ -15060,6 +15053,34 @@
                   </a:extLst>
                 </a:hlinkClick>
               </a:rPr>
+              <a:t>Microsoft Accessibility Fundamentals course</a:t>
+            </a:r>
+            <a:endParaRPr lang="en-US" sz="1600" b="1" dirty="0">
+              <a:solidFill>
+                <a:schemeClr val="accent6">
+                  <a:lumMod val="60000"/>
+                  <a:lumOff val="40000"/>
+                </a:schemeClr>
+              </a:solidFill>
+            </a:endParaRPr>
+          </a:p>
+          <a:p>
+            <a:r>
+              <a:rPr lang="en-US" sz="1600" b="1" dirty="0">
+                <a:solidFill>
+                  <a:schemeClr val="accent6">
+                    <a:lumMod val="60000"/>
+                    <a:lumOff val="40000"/>
+                  </a:schemeClr>
+                </a:solidFill>
+                <a:hlinkClick r:id="rId11">
+                  <a:extLst>
+                    <a:ext uri="{A12FA001-AC4F-418D-AE19-62706E023703}">
+                      <ahyp:hlinkClr xmlns:ahyp="http://schemas.microsoft.com/office/drawing/2018/hyperlinkcolor" val="tx"/>
+                    </a:ext>
+                  </a:extLst>
+                </a:hlinkClick>
+              </a:rPr>
               <a:t>ANDI</a:t>
             </a:r>
             <a:r>
@@ -15080,7 +15101,7 @@
                     <a:lumOff val="40000"/>
                   </a:schemeClr>
                 </a:solidFill>
-                <a:hlinkClick r:id="rId11">
+                <a:hlinkClick r:id="rId12">
                   <a:extLst>
                     <a:ext uri="{A12FA001-AC4F-418D-AE19-62706E023703}">
                       <ahyp:hlinkClr xmlns:ahyp="http://schemas.microsoft.com/office/drawing/2018/hyperlinkcolor" val="tx"/>
@@ -15987,7 +16008,7 @@
         </p:spPr>
         <p:txBody>
           <a:bodyPr>
-            <a:normAutofit fontScale="85000" lnSpcReduction="20000"/>
+            <a:normAutofit fontScale="70000" lnSpcReduction="20000"/>
           </a:bodyPr>
           <a:lstStyle/>
           <a:p>
@@ -15999,105 +16020,119 @@
           <a:p>
             <a:pPr lvl="1"/>
             <a:r>
-              <a:rPr lang="en-US" dirty="0"/>
+              <a:rPr lang="en-US" sz="2100" dirty="0"/>
               <a:t>Web Content Accessibility Guidelines (WCAG)</a:t>
             </a:r>
           </a:p>
           <a:p>
             <a:pPr lvl="1"/>
             <a:r>
-              <a:rPr lang="en-US" dirty="0"/>
+              <a:rPr lang="en-US" sz="2100" dirty="0"/>
               <a:t>Authoring Tools Accessibility Guidelines (ATAG)</a:t>
             </a:r>
           </a:p>
           <a:p>
             <a:pPr lvl="1"/>
             <a:r>
-              <a:rPr lang="en-US" dirty="0"/>
+              <a:rPr lang="en-US" sz="2100" dirty="0"/>
               <a:t>User Agent Accessibility Guidelines (UAAG)</a:t>
             </a:r>
           </a:p>
           <a:p>
             <a:pPr lvl="1"/>
             <a:r>
-              <a:rPr lang="en-US" dirty="0"/>
+              <a:rPr lang="en-US" sz="2100" dirty="0"/>
               <a:t>Accessible Rich Internet Applications (ARIA)</a:t>
             </a:r>
           </a:p>
           <a:p>
             <a:pPr lvl="1"/>
             <a:r>
-              <a:rPr lang="en-US" dirty="0"/>
+              <a:rPr lang="en-US" sz="2100" dirty="0"/>
               <a:t>ISO/IEC Guide 71: Guide for addressing accessibility in standards</a:t>
             </a:r>
           </a:p>
           <a:p>
             <a:pPr lvl="1"/>
             <a:r>
-              <a:rPr lang="en-US" dirty="0"/>
+              <a:rPr lang="en-US" sz="2100" dirty="0"/>
               <a:t>ISO/TR 22411: Ergonomics data for use in the application of ISO/IEC Guide 71:2014</a:t>
             </a:r>
           </a:p>
           <a:p>
             <a:pPr lvl="1"/>
             <a:r>
-              <a:rPr lang="en-US" dirty="0"/>
+              <a:rPr lang="en-US" sz="2100" dirty="0"/>
               <a:t>ISO 30071-1: Digital accessibility standard</a:t>
             </a:r>
           </a:p>
           <a:p>
             <a:pPr lvl="1"/>
             <a:r>
-              <a:rPr lang="en-US" dirty="0"/>
+              <a:rPr lang="en-US" sz="2100" dirty="0"/>
               <a:t>ISO 21542: Building construction — Accessibility and usability of the built environment</a:t>
             </a:r>
           </a:p>
           <a:p>
             <a:pPr lvl="1"/>
             <a:r>
-              <a:rPr lang="en-US" dirty="0"/>
+              <a:rPr lang="en-US" sz="2100" dirty="0"/>
               <a:t>Accessible Electronic Documents Community of Practice (AED COP)</a:t>
             </a:r>
           </a:p>
           <a:p>
             <a:pPr lvl="1"/>
-            <a:endParaRPr lang="en-US" b="1" dirty="0"/>
-          </a:p>
-          <a:p>
-            <a:r>
-              <a:rPr lang="en-US" b="1" dirty="0"/>
+            <a:endParaRPr lang="en-US" sz="2100" b="1" dirty="0"/>
+          </a:p>
+          <a:p>
+            <a:r>
+              <a:rPr lang="en-US" sz="2100" b="1" dirty="0"/>
               <a:t>Regulations</a:t>
             </a:r>
           </a:p>
           <a:p>
             <a:pPr lvl="1"/>
             <a:r>
-              <a:rPr lang="en-US" dirty="0"/>
+              <a:rPr lang="en-US" sz="2100" dirty="0"/>
               <a:t>Equality Act of 2010 (UK)</a:t>
             </a:r>
           </a:p>
           <a:p>
             <a:pPr lvl="1"/>
             <a:r>
-              <a:rPr lang="en-US" dirty="0"/>
+              <a:rPr lang="en-US" sz="2100" dirty="0"/>
               <a:t>Web and Mobile Accessibility Directive (EU)</a:t>
             </a:r>
           </a:p>
           <a:p>
             <a:pPr lvl="1"/>
             <a:r>
-              <a:rPr lang="en-US" dirty="0"/>
+              <a:rPr lang="en-US" sz="2100" dirty="0"/>
               <a:t>Accessibility for Ontarians Act (AODA) (Canada)</a:t>
             </a:r>
           </a:p>
           <a:p>
             <a:pPr lvl="1"/>
             <a:r>
-              <a:rPr lang="en-US" dirty="0"/>
+              <a:rPr lang="en-US" sz="2100" dirty="0"/>
+              <a:t>Section 508 of the Rehabilitation Act and Section 255 of the Communications Act (USA)</a:t>
+            </a:r>
+          </a:p>
+          <a:p>
+            <a:pPr lvl="1"/>
+            <a:r>
+              <a:rPr lang="en-US" sz="2100" dirty="0"/>
+              <a:t>Americans with Disabilities Act (ADA) (USA)</a:t>
+            </a:r>
+          </a:p>
+          <a:p>
+            <a:pPr lvl="1"/>
+            <a:r>
+              <a:rPr lang="en-US" sz="2100" dirty="0"/>
               <a:t>Learn more at: </a:t>
             </a:r>
             <a:r>
-              <a:rPr lang="en-US" dirty="0">
+              <a:rPr lang="en-US" sz="2100" dirty="0">
                 <a:solidFill>
                   <a:schemeClr val="accent6">
                     <a:lumMod val="60000"/>
@@ -16114,7 +16149,7 @@
               </a:rPr>
               <a:t>Web Accessibility Laws &amp; Policies | Web Accessibility Initiative (WAI) | W3C</a:t>
             </a:r>
-            <a:endParaRPr lang="en-US" dirty="0">
+            <a:endParaRPr lang="en-US" sz="2100" dirty="0">
               <a:solidFill>
                 <a:schemeClr val="accent6">
                   <a:lumMod val="60000"/>

--- a/Presenations/2024 Presentations/AccessibilityTesting101 - London NDC.pptx
+++ b/Presenations/2024 Presentations/AccessibilityTesting101 - London NDC.pptx
@@ -6027,7 +6027,7 @@
           <a:p>
             <a:fld id="{BEFAACEF-CC9A-483E-9B56-DECAFB57975A}" type="datetimeFigureOut">
               <a:rPr lang="en-US" smtClean="0"/>
-              <a:t>10/14/2023</a:t>
+              <a:t>10/19/2023</a:t>
             </a:fld>
             <a:endParaRPr lang="en-US"/>
           </a:p>
@@ -8088,7 +8088,7 @@
           <a:p>
             <a:fld id="{BA049CC4-5A97-47DC-86B9-9927E3A2D5F5}" type="datetime1">
               <a:rPr lang="en-US" smtClean="0"/>
-              <a:t>10/14/2023</a:t>
+              <a:t>10/19/2023</a:t>
             </a:fld>
             <a:endParaRPr lang="en-US"/>
           </a:p>
@@ -8360,7 +8360,7 @@
           <a:p>
             <a:fld id="{08A11C66-9C87-4BA8-9534-5EF145E66FE7}" type="datetime1">
               <a:rPr lang="en-US" smtClean="0"/>
-              <a:t>10/14/2023</a:t>
+              <a:t>10/19/2023</a:t>
             </a:fld>
             <a:endParaRPr lang="en-US"/>
           </a:p>
@@ -8591,7 +8591,7 @@
           <a:p>
             <a:fld id="{5AE480A1-3E8F-4FEB-9473-F28D5BA2CE2F}" type="datetime1">
               <a:rPr lang="en-US" smtClean="0"/>
-              <a:t>10/14/2023</a:t>
+              <a:t>10/19/2023</a:t>
             </a:fld>
             <a:endParaRPr lang="en-US"/>
           </a:p>
@@ -8901,7 +8901,7 @@
           <a:p>
             <a:fld id="{51941244-449B-4313-BB5D-CEC8D390AC83}" type="datetime1">
               <a:rPr lang="en-US" smtClean="0"/>
-              <a:t>10/14/2023</a:t>
+              <a:t>10/19/2023</a:t>
             </a:fld>
             <a:endParaRPr lang="en-US"/>
           </a:p>
@@ -9374,7 +9374,7 @@
           <a:p>
             <a:fld id="{D3AAB994-AF9D-407F-AC45-491F65672FB8}" type="datetime1">
               <a:rPr lang="en-US" smtClean="0"/>
-              <a:t>10/14/2023</a:t>
+              <a:t>10/19/2023</a:t>
             </a:fld>
             <a:endParaRPr lang="en-US"/>
           </a:p>
@@ -9921,7 +9921,7 @@
           <a:p>
             <a:fld id="{95B69CAA-71E9-4E32-8F4F-8B1877E6E416}" type="datetime1">
               <a:rPr lang="en-US" smtClean="0"/>
-              <a:t>10/14/2023</a:t>
+              <a:t>10/19/2023</a:t>
             </a:fld>
             <a:endParaRPr lang="en-US"/>
           </a:p>
@@ -10695,7 +10695,7 @@
           <a:p>
             <a:fld id="{4F1F7796-6626-4944-B793-E85205E429DA}" type="datetime1">
               <a:rPr lang="en-US" smtClean="0"/>
-              <a:t>10/14/2023</a:t>
+              <a:t>10/19/2023</a:t>
             </a:fld>
             <a:endParaRPr lang="en-US"/>
           </a:p>
@@ -10870,7 +10870,7 @@
           <a:p>
             <a:fld id="{275BEE86-0E69-41D4-B130-484F9582CF68}" type="datetime1">
               <a:rPr lang="en-US" smtClean="0"/>
-              <a:t>10/14/2023</a:t>
+              <a:t>10/19/2023</a:t>
             </a:fld>
             <a:endParaRPr lang="en-US"/>
           </a:p>
@@ -11093,7 +11093,7 @@
           <a:p>
             <a:fld id="{E8E2E543-8735-43A9-800E-D52D2E6A7570}" type="datetime1">
               <a:rPr lang="en-US" smtClean="0"/>
-              <a:t>10/14/2023</a:t>
+              <a:t>10/19/2023</a:t>
             </a:fld>
             <a:endParaRPr lang="en-US"/>
           </a:p>
@@ -11278,7 +11278,7 @@
           <a:p>
             <a:fld id="{4F562C0E-85F8-4032-A4AC-EAAA621EB697}" type="datetime1">
               <a:rPr lang="en-US" smtClean="0"/>
-              <a:t>10/14/2023</a:t>
+              <a:t>10/19/2023</a:t>
             </a:fld>
             <a:endParaRPr lang="en-US"/>
           </a:p>
@@ -11567,7 +11567,7 @@
           <a:p>
             <a:fld id="{4D4D2949-E030-4779-99B3-FAC018E20B72}" type="datetime1">
               <a:rPr lang="en-US" smtClean="0"/>
-              <a:t>10/14/2023</a:t>
+              <a:t>10/19/2023</a:t>
             </a:fld>
             <a:endParaRPr lang="en-US"/>
           </a:p>
@@ -11814,7 +11814,7 @@
           <a:p>
             <a:fld id="{0F3F8BCC-FB76-4EC4-8AAF-4B5BA4B75FEF}" type="datetime1">
               <a:rPr lang="en-US" smtClean="0"/>
-              <a:t>10/14/2023</a:t>
+              <a:t>10/19/2023</a:t>
             </a:fld>
             <a:endParaRPr lang="en-US"/>
           </a:p>
@@ -12193,7 +12193,7 @@
           <a:p>
             <a:fld id="{7AB60B1E-0147-4747-AD07-17141088A4C3}" type="datetime1">
               <a:rPr lang="en-US" smtClean="0"/>
-              <a:t>10/14/2023</a:t>
+              <a:t>10/19/2023</a:t>
             </a:fld>
             <a:endParaRPr lang="en-US"/>
           </a:p>
@@ -12311,7 +12311,7 @@
           <a:p>
             <a:fld id="{122DC7E5-9295-4EB3-8473-59EEBBFB2383}" type="datetime1">
               <a:rPr lang="en-US" smtClean="0"/>
-              <a:t>10/14/2023</a:t>
+              <a:t>10/19/2023</a:t>
             </a:fld>
             <a:endParaRPr lang="en-US"/>
           </a:p>
@@ -12406,7 +12406,7 @@
           <a:p>
             <a:fld id="{915BDD53-BBE8-4710-8261-574287A899BD}" type="datetime1">
               <a:rPr lang="en-US" smtClean="0"/>
-              <a:t>10/14/2023</a:t>
+              <a:t>10/19/2023</a:t>
             </a:fld>
             <a:endParaRPr lang="en-US"/>
           </a:p>
@@ -12655,7 +12655,7 @@
           <a:p>
             <a:fld id="{68C84FA3-F6D9-4634-9C02-2941F1994736}" type="datetime1">
               <a:rPr lang="en-US" smtClean="0"/>
-              <a:t>10/14/2023</a:t>
+              <a:t>10/19/2023</a:t>
             </a:fld>
             <a:endParaRPr lang="en-US"/>
           </a:p>
@@ -12912,7 +12912,7 @@
           <a:p>
             <a:fld id="{DAC35DB0-0D5A-4AF5-B91D-F5AC233569C2}" type="datetime1">
               <a:rPr lang="en-US" smtClean="0"/>
-              <a:t>10/14/2023</a:t>
+              <a:t>10/19/2023</a:t>
             </a:fld>
             <a:endParaRPr lang="en-US"/>
           </a:p>
@@ -13155,7 +13155,7 @@
           <a:p>
             <a:fld id="{22AFDDC1-071C-48BE-AEB0-C522838D21A3}" type="datetime1">
               <a:rPr lang="en-US" smtClean="0"/>
-              <a:t>10/14/2023</a:t>
+              <a:t>10/19/2023</a:t>
             </a:fld>
             <a:endParaRPr lang="en-US"/>
           </a:p>
@@ -16008,7 +16008,7 @@
         </p:spPr>
         <p:txBody>
           <a:bodyPr>
-            <a:normAutofit fontScale="70000" lnSpcReduction="20000"/>
+            <a:normAutofit fontScale="62500" lnSpcReduction="20000"/>
           </a:bodyPr>
           <a:lstStyle/>
           <a:p>
@@ -16115,7 +16115,18 @@
             <a:pPr lvl="1"/>
             <a:r>
               <a:rPr lang="en-US" sz="2100" dirty="0"/>
-              <a:t>Section 508 of the Rehabilitation Act and Section 255 of the Communications Act (USA)</a:t>
+              <a:t>Section 508 of the Rehabilitation </a:t>
+            </a:r>
+            <a:r>
+              <a:rPr lang="en-US" sz="2100"/>
+              <a:t>Act of 1973 (USA)</a:t>
+            </a:r>
+          </a:p>
+          <a:p>
+            <a:pPr lvl="1"/>
+            <a:r>
+              <a:rPr lang="en-US" sz="2100" dirty="0"/>
+              <a:t>Section 255 of the Communications Act (USA)</a:t>
             </a:r>
           </a:p>
           <a:p>

--- a/Presenations/2024 Presentations/AccessibilityTesting101 - London NDC.pptx
+++ b/Presenations/2024 Presentations/AccessibilityTesting101 - London NDC.pptx
@@ -5,7 +5,7 @@
     <p:sldMasterId id="2147483708" r:id="rId1"/>
   </p:sldMasterIdLst>
   <p:notesMasterIdLst>
-    <p:notesMasterId r:id="rId19"/>
+    <p:notesMasterId r:id="rId20"/>
   </p:notesMasterIdLst>
   <p:sldIdLst>
     <p:sldId id="256" r:id="rId2"/>
@@ -22,9 +22,10 @@
     <p:sldId id="280" r:id="rId13"/>
     <p:sldId id="281" r:id="rId14"/>
     <p:sldId id="276" r:id="rId15"/>
-    <p:sldId id="277" r:id="rId16"/>
-    <p:sldId id="271" r:id="rId17"/>
-    <p:sldId id="272" r:id="rId18"/>
+    <p:sldId id="283" r:id="rId16"/>
+    <p:sldId id="277" r:id="rId17"/>
+    <p:sldId id="271" r:id="rId18"/>
+    <p:sldId id="272" r:id="rId19"/>
   </p:sldIdLst>
   <p:sldSz cx="12192000" cy="6858000"/>
   <p:notesSz cx="7099300" cy="9385300"/>
@@ -6934,7 +6935,7 @@
     </p:spTree>
     <p:extLst>
       <p:ext uri="{BB962C8B-B14F-4D97-AF65-F5344CB8AC3E}">
-        <p14:creationId xmlns:p14="http://schemas.microsoft.com/office/powerpoint/2010/main" val="1593273751"/>
+        <p14:creationId xmlns:p14="http://schemas.microsoft.com/office/powerpoint/2010/main" val="2320471139"/>
       </p:ext>
     </p:extLst>
   </p:cSld>
@@ -7018,7 +7019,7 @@
     </p:spTree>
     <p:extLst>
       <p:ext uri="{BB962C8B-B14F-4D97-AF65-F5344CB8AC3E}">
-        <p14:creationId xmlns:p14="http://schemas.microsoft.com/office/powerpoint/2010/main" val="1964582518"/>
+        <p14:creationId xmlns:p14="http://schemas.microsoft.com/office/powerpoint/2010/main" val="1593273751"/>
       </p:ext>
     </p:extLst>
   </p:cSld>
@@ -7094,6 +7095,90 @@
             <a:fld id="{297094E8-3009-47D0-9423-EBC369D53B0E}" type="slidenum">
               <a:rPr lang="en-US" smtClean="0"/>
               <a:t>17</a:t>
+            </a:fld>
+            <a:endParaRPr lang="en-US"/>
+          </a:p>
+        </p:txBody>
+      </p:sp>
+    </p:spTree>
+    <p:extLst>
+      <p:ext uri="{BB962C8B-B14F-4D97-AF65-F5344CB8AC3E}">
+        <p14:creationId xmlns:p14="http://schemas.microsoft.com/office/powerpoint/2010/main" val="1964582518"/>
+      </p:ext>
+    </p:extLst>
+  </p:cSld>
+  <p:clrMapOvr>
+    <a:masterClrMapping/>
+  </p:clrMapOvr>
+</p:notes>
+</file>
+
+<file path=ppt/notesSlides/notesSlide18.xml><?xml version="1.0" encoding="utf-8"?>
+<p:notes xmlns:a="http://schemas.openxmlformats.org/drawingml/2006/main" xmlns:r="http://schemas.openxmlformats.org/officeDocument/2006/relationships" xmlns:p="http://schemas.openxmlformats.org/presentationml/2006/main">
+  <p:cSld>
+    <p:spTree>
+      <p:nvGrpSpPr>
+        <p:cNvPr id="1" name=""/>
+        <p:cNvGrpSpPr/>
+        <p:nvPr/>
+      </p:nvGrpSpPr>
+      <p:grpSpPr>
+        <a:xfrm>
+          <a:off x="0" y="0"/>
+          <a:ext cx="0" cy="0"/>
+          <a:chOff x="0" y="0"/>
+          <a:chExt cx="0" cy="0"/>
+        </a:xfrm>
+      </p:grpSpPr>
+      <p:sp>
+        <p:nvSpPr>
+          <p:cNvPr id="2" name="Slide Image Placeholder 1"/>
+          <p:cNvSpPr>
+            <a:spLocks noGrp="1" noRot="1" noChangeAspect="1"/>
+          </p:cNvSpPr>
+          <p:nvPr>
+            <p:ph type="sldImg"/>
+          </p:nvPr>
+        </p:nvSpPr>
+        <p:spPr/>
+      </p:sp>
+      <p:sp>
+        <p:nvSpPr>
+          <p:cNvPr id="3" name="Notes Placeholder 2"/>
+          <p:cNvSpPr>
+            <a:spLocks noGrp="1"/>
+          </p:cNvSpPr>
+          <p:nvPr>
+            <p:ph type="body" idx="1"/>
+          </p:nvPr>
+        </p:nvSpPr>
+        <p:spPr/>
+        <p:txBody>
+          <a:bodyPr/>
+          <a:lstStyle/>
+          <a:p>
+            <a:endParaRPr lang="en-US" dirty="0"/>
+          </a:p>
+        </p:txBody>
+      </p:sp>
+      <p:sp>
+        <p:nvSpPr>
+          <p:cNvPr id="4" name="Slide Number Placeholder 3"/>
+          <p:cNvSpPr>
+            <a:spLocks noGrp="1"/>
+          </p:cNvSpPr>
+          <p:nvPr>
+            <p:ph type="sldNum" sz="quarter" idx="5"/>
+          </p:nvPr>
+        </p:nvSpPr>
+        <p:spPr/>
+        <p:txBody>
+          <a:bodyPr/>
+          <a:lstStyle/>
+          <a:p>
+            <a:fld id="{297094E8-3009-47D0-9423-EBC369D53B0E}" type="slidenum">
+              <a:rPr lang="en-US" smtClean="0"/>
+              <a:t>18</a:t>
             </a:fld>
             <a:endParaRPr lang="en-US"/>
           </a:p>
@@ -14587,6 +14672,76 @@
             </a:br>
             <a:r>
               <a:rPr lang="en-US" sz="1800" dirty="0"/>
+              <a:t>Bookmarklets</a:t>
+            </a:r>
+          </a:p>
+        </p:txBody>
+      </p:sp>
+    </p:spTree>
+    <p:extLst>
+      <p:ext uri="{BB962C8B-B14F-4D97-AF65-F5344CB8AC3E}">
+        <p14:creationId xmlns:p14="http://schemas.microsoft.com/office/powerpoint/2010/main" val="3781069292"/>
+      </p:ext>
+    </p:extLst>
+  </p:cSld>
+  <p:clrMapOvr>
+    <a:masterClrMapping/>
+  </p:clrMapOvr>
+</p:sld>
+</file>
+
+<file path=ppt/slides/slide16.xml><?xml version="1.0" encoding="utf-8"?>
+<p:sld xmlns:a="http://schemas.openxmlformats.org/drawingml/2006/main" xmlns:r="http://schemas.openxmlformats.org/officeDocument/2006/relationships" xmlns:p="http://schemas.openxmlformats.org/presentationml/2006/main">
+  <p:cSld>
+    <p:spTree>
+      <p:nvGrpSpPr>
+        <p:cNvPr id="1" name=""/>
+        <p:cNvGrpSpPr/>
+        <p:nvPr/>
+      </p:nvGrpSpPr>
+      <p:grpSpPr>
+        <a:xfrm>
+          <a:off x="0" y="0"/>
+          <a:ext cx="0" cy="0"/>
+          <a:chOff x="0" y="0"/>
+          <a:chExt cx="0" cy="0"/>
+        </a:xfrm>
+      </p:grpSpPr>
+      <p:sp>
+        <p:nvSpPr>
+          <p:cNvPr id="2" name="Title 1">
+            <a:extLst>
+              <a:ext uri="{FF2B5EF4-FFF2-40B4-BE49-F238E27FC236}">
+                <a16:creationId xmlns:a16="http://schemas.microsoft.com/office/drawing/2014/main" id="{BFBE0A40-EF52-730B-174C-8DEE5AF23CE4}"/>
+              </a:ext>
+            </a:extLst>
+          </p:cNvPr>
+          <p:cNvSpPr>
+            <a:spLocks noGrp="1"/>
+          </p:cNvSpPr>
+          <p:nvPr>
+            <p:ph type="title"/>
+          </p:nvPr>
+        </p:nvSpPr>
+        <p:spPr>
+          <a:xfrm>
+            <a:off x="1" y="764373"/>
+            <a:ext cx="11506200" cy="1293028"/>
+          </a:xfrm>
+        </p:spPr>
+        <p:txBody>
+          <a:bodyPr/>
+          <a:lstStyle/>
+          <a:p>
+            <a:r>
+              <a:rPr lang="en-US" dirty="0"/>
+              <a:t>Tools and resources</a:t>
+            </a:r>
+            <a:br>
+              <a:rPr lang="en-US" dirty="0"/>
+            </a:br>
+            <a:r>
+              <a:rPr lang="en-US" sz="1800" dirty="0"/>
               <a:t>Books (Physical and </a:t>
             </a:r>
             <a:r>
@@ -14649,7 +14804,7 @@
 </p:sld>
 </file>
 
-<file path=ppt/slides/slide16.xml><?xml version="1.0" encoding="utf-8"?>
+<file path=ppt/slides/slide17.xml><?xml version="1.0" encoding="utf-8"?>
 <p:sld xmlns:a="http://schemas.openxmlformats.org/drawingml/2006/main" xmlns:r="http://schemas.openxmlformats.org/officeDocument/2006/relationships" xmlns:p="http://schemas.openxmlformats.org/presentationml/2006/main">
   <p:cSld>
     <p:spTree>
@@ -15135,7 +15290,7 @@
 </p:sld>
 </file>
 
-<file path=ppt/slides/slide17.xml><?xml version="1.0" encoding="utf-8"?>
+<file path=ppt/slides/slide18.xml><?xml version="1.0" encoding="utf-8"?>
 <p:sld xmlns:a="http://schemas.openxmlformats.org/drawingml/2006/main" xmlns:r="http://schemas.openxmlformats.org/officeDocument/2006/relationships" xmlns:p="http://schemas.openxmlformats.org/presentationml/2006/main">
   <p:cSld>
     <p:spTree>
@@ -16002,13 +16157,13 @@
         </p:nvSpPr>
         <p:spPr>
           <a:xfrm>
-            <a:off x="685800" y="1845733"/>
-            <a:ext cx="10820400" cy="4792134"/>
+            <a:off x="685800" y="1845732"/>
+            <a:ext cx="11237976" cy="5012267"/>
           </a:xfrm>
         </p:spPr>
         <p:txBody>
           <a:bodyPr>
-            <a:normAutofit fontScale="62500" lnSpcReduction="20000"/>
+            <a:normAutofit fontScale="70000" lnSpcReduction="20000"/>
           </a:bodyPr>
           <a:lstStyle/>
           <a:p>
@@ -16115,11 +16270,7 @@
             <a:pPr lvl="1"/>
             <a:r>
               <a:rPr lang="en-US" sz="2100" dirty="0"/>
-              <a:t>Section 508 of the Rehabilitation </a:t>
-            </a:r>
-            <a:r>
-              <a:rPr lang="en-US" sz="2100"/>
-              <a:t>Act of 1973 (USA)</a:t>
+              <a:t>Section 508 of the Rehabilitation Act of 1973 (USA)</a:t>
             </a:r>
           </a:p>
           <a:p>
@@ -16330,7 +16481,7 @@
           </a:p>
           <a:p>
             <a:r>
-              <a:rPr lang="en-US" sz="1800" b="1" dirty="0"/>
+              <a:rPr lang="en-US" sz="1800" dirty="0"/>
               <a:t>Example Test Methods/Plans:</a:t>
             </a:r>
           </a:p>

--- a/Presenations/2024 Presentations/AccessibilityTesting101 - London NDC.pptx
+++ b/Presenations/2024 Presentations/AccessibilityTesting101 - London NDC.pptx
@@ -6028,7 +6028,7 @@
           <a:p>
             <a:fld id="{BEFAACEF-CC9A-483E-9B56-DECAFB57975A}" type="datetimeFigureOut">
               <a:rPr lang="en-US" smtClean="0"/>
-              <a:t>10/19/2023</a:t>
+              <a:t>1/29/2024</a:t>
             </a:fld>
             <a:endParaRPr lang="en-US"/>
           </a:p>
@@ -8173,7 +8173,7 @@
           <a:p>
             <a:fld id="{BA049CC4-5A97-47DC-86B9-9927E3A2D5F5}" type="datetime1">
               <a:rPr lang="en-US" smtClean="0"/>
-              <a:t>10/19/2023</a:t>
+              <a:t>1/29/2024</a:t>
             </a:fld>
             <a:endParaRPr lang="en-US"/>
           </a:p>
@@ -8445,7 +8445,7 @@
           <a:p>
             <a:fld id="{08A11C66-9C87-4BA8-9534-5EF145E66FE7}" type="datetime1">
               <a:rPr lang="en-US" smtClean="0"/>
-              <a:t>10/19/2023</a:t>
+              <a:t>1/29/2024</a:t>
             </a:fld>
             <a:endParaRPr lang="en-US"/>
           </a:p>
@@ -8676,7 +8676,7 @@
           <a:p>
             <a:fld id="{5AE480A1-3E8F-4FEB-9473-F28D5BA2CE2F}" type="datetime1">
               <a:rPr lang="en-US" smtClean="0"/>
-              <a:t>10/19/2023</a:t>
+              <a:t>1/29/2024</a:t>
             </a:fld>
             <a:endParaRPr lang="en-US"/>
           </a:p>
@@ -8986,7 +8986,7 @@
           <a:p>
             <a:fld id="{51941244-449B-4313-BB5D-CEC8D390AC83}" type="datetime1">
               <a:rPr lang="en-US" smtClean="0"/>
-              <a:t>10/19/2023</a:t>
+              <a:t>1/29/2024</a:t>
             </a:fld>
             <a:endParaRPr lang="en-US"/>
           </a:p>
@@ -9459,7 +9459,7 @@
           <a:p>
             <a:fld id="{D3AAB994-AF9D-407F-AC45-491F65672FB8}" type="datetime1">
               <a:rPr lang="en-US" smtClean="0"/>
-              <a:t>10/19/2023</a:t>
+              <a:t>1/29/2024</a:t>
             </a:fld>
             <a:endParaRPr lang="en-US"/>
           </a:p>
@@ -10006,7 +10006,7 @@
           <a:p>
             <a:fld id="{95B69CAA-71E9-4E32-8F4F-8B1877E6E416}" type="datetime1">
               <a:rPr lang="en-US" smtClean="0"/>
-              <a:t>10/19/2023</a:t>
+              <a:t>1/29/2024</a:t>
             </a:fld>
             <a:endParaRPr lang="en-US"/>
           </a:p>
@@ -10780,7 +10780,7 @@
           <a:p>
             <a:fld id="{4F1F7796-6626-4944-B793-E85205E429DA}" type="datetime1">
               <a:rPr lang="en-US" smtClean="0"/>
-              <a:t>10/19/2023</a:t>
+              <a:t>1/29/2024</a:t>
             </a:fld>
             <a:endParaRPr lang="en-US"/>
           </a:p>
@@ -10955,7 +10955,7 @@
           <a:p>
             <a:fld id="{275BEE86-0E69-41D4-B130-484F9582CF68}" type="datetime1">
               <a:rPr lang="en-US" smtClean="0"/>
-              <a:t>10/19/2023</a:t>
+              <a:t>1/29/2024</a:t>
             </a:fld>
             <a:endParaRPr lang="en-US"/>
           </a:p>
@@ -11178,7 +11178,7 @@
           <a:p>
             <a:fld id="{E8E2E543-8735-43A9-800E-D52D2E6A7570}" type="datetime1">
               <a:rPr lang="en-US" smtClean="0"/>
-              <a:t>10/19/2023</a:t>
+              <a:t>1/29/2024</a:t>
             </a:fld>
             <a:endParaRPr lang="en-US"/>
           </a:p>
@@ -11363,7 +11363,7 @@
           <a:p>
             <a:fld id="{4F562C0E-85F8-4032-A4AC-EAAA621EB697}" type="datetime1">
               <a:rPr lang="en-US" smtClean="0"/>
-              <a:t>10/19/2023</a:t>
+              <a:t>1/29/2024</a:t>
             </a:fld>
             <a:endParaRPr lang="en-US"/>
           </a:p>
@@ -11652,7 +11652,7 @@
           <a:p>
             <a:fld id="{4D4D2949-E030-4779-99B3-FAC018E20B72}" type="datetime1">
               <a:rPr lang="en-US" smtClean="0"/>
-              <a:t>10/19/2023</a:t>
+              <a:t>1/29/2024</a:t>
             </a:fld>
             <a:endParaRPr lang="en-US"/>
           </a:p>
@@ -11899,7 +11899,7 @@
           <a:p>
             <a:fld id="{0F3F8BCC-FB76-4EC4-8AAF-4B5BA4B75FEF}" type="datetime1">
               <a:rPr lang="en-US" smtClean="0"/>
-              <a:t>10/19/2023</a:t>
+              <a:t>1/29/2024</a:t>
             </a:fld>
             <a:endParaRPr lang="en-US"/>
           </a:p>
@@ -12278,7 +12278,7 @@
           <a:p>
             <a:fld id="{7AB60B1E-0147-4747-AD07-17141088A4C3}" type="datetime1">
               <a:rPr lang="en-US" smtClean="0"/>
-              <a:t>10/19/2023</a:t>
+              <a:t>1/29/2024</a:t>
             </a:fld>
             <a:endParaRPr lang="en-US"/>
           </a:p>
@@ -12396,7 +12396,7 @@
           <a:p>
             <a:fld id="{122DC7E5-9295-4EB3-8473-59EEBBFB2383}" type="datetime1">
               <a:rPr lang="en-US" smtClean="0"/>
-              <a:t>10/19/2023</a:t>
+              <a:t>1/29/2024</a:t>
             </a:fld>
             <a:endParaRPr lang="en-US"/>
           </a:p>
@@ -12491,7 +12491,7 @@
           <a:p>
             <a:fld id="{915BDD53-BBE8-4710-8261-574287A899BD}" type="datetime1">
               <a:rPr lang="en-US" smtClean="0"/>
-              <a:t>10/19/2023</a:t>
+              <a:t>1/29/2024</a:t>
             </a:fld>
             <a:endParaRPr lang="en-US"/>
           </a:p>
@@ -12740,7 +12740,7 @@
           <a:p>
             <a:fld id="{68C84FA3-F6D9-4634-9C02-2941F1994736}" type="datetime1">
               <a:rPr lang="en-US" smtClean="0"/>
-              <a:t>10/19/2023</a:t>
+              <a:t>1/29/2024</a:t>
             </a:fld>
             <a:endParaRPr lang="en-US"/>
           </a:p>
@@ -12997,7 +12997,7 @@
           <a:p>
             <a:fld id="{DAC35DB0-0D5A-4AF5-B91D-F5AC233569C2}" type="datetime1">
               <a:rPr lang="en-US" smtClean="0"/>
-              <a:t>10/19/2023</a:t>
+              <a:t>1/29/2024</a:t>
             </a:fld>
             <a:endParaRPr lang="en-US"/>
           </a:p>
@@ -13240,7 +13240,7 @@
           <a:p>
             <a:fld id="{22AFDDC1-071C-48BE-AEB0-C522838D21A3}" type="datetime1">
               <a:rPr lang="en-US" smtClean="0"/>
-              <a:t>10/19/2023</a:t>
+              <a:t>1/29/2024</a:t>
             </a:fld>
             <a:endParaRPr lang="en-US"/>
           </a:p>
